--- a/Presentation1.pptx
+++ b/Presentation1.pptx
@@ -7,6 +7,7 @@
   <p:sldIdLst>
     <p:sldId id="256" r:id="rId2"/>
     <p:sldId id="257" r:id="rId3"/>
+    <p:sldId id="258" r:id="rId4"/>
   </p:sldIdLst>
   <p:sldSz cx="12192000" cy="6858000"/>
   <p:notesSz cx="6858000" cy="9144000"/>
@@ -316,7 +317,7 @@
           <a:p>
             <a:fld id="{01B7AAC4-95F7-41FF-85EE-8CBCA500D74F}" type="datetimeFigureOut">
               <a:rPr lang="th-TH" smtClean="0"/>
-              <a:t>18/01/67</a:t>
+              <a:t>29/01/67</a:t>
             </a:fld>
             <a:endParaRPr lang="th-TH"/>
           </a:p>
@@ -516,7 +517,7 @@
           <a:p>
             <a:fld id="{01B7AAC4-95F7-41FF-85EE-8CBCA500D74F}" type="datetimeFigureOut">
               <a:rPr lang="th-TH" smtClean="0"/>
-              <a:t>18/01/67</a:t>
+              <a:t>29/01/67</a:t>
             </a:fld>
             <a:endParaRPr lang="th-TH"/>
           </a:p>
@@ -726,7 +727,7 @@
           <a:p>
             <a:fld id="{01B7AAC4-95F7-41FF-85EE-8CBCA500D74F}" type="datetimeFigureOut">
               <a:rPr lang="th-TH" smtClean="0"/>
-              <a:t>18/01/67</a:t>
+              <a:t>29/01/67</a:t>
             </a:fld>
             <a:endParaRPr lang="th-TH"/>
           </a:p>
@@ -926,7 +927,7 @@
           <a:p>
             <a:fld id="{01B7AAC4-95F7-41FF-85EE-8CBCA500D74F}" type="datetimeFigureOut">
               <a:rPr lang="th-TH" smtClean="0"/>
-              <a:t>18/01/67</a:t>
+              <a:t>29/01/67</a:t>
             </a:fld>
             <a:endParaRPr lang="th-TH"/>
           </a:p>
@@ -1202,7 +1203,7 @@
           <a:p>
             <a:fld id="{01B7AAC4-95F7-41FF-85EE-8CBCA500D74F}" type="datetimeFigureOut">
               <a:rPr lang="th-TH" smtClean="0"/>
-              <a:t>18/01/67</a:t>
+              <a:t>29/01/67</a:t>
             </a:fld>
             <a:endParaRPr lang="th-TH"/>
           </a:p>
@@ -1470,7 +1471,7 @@
           <a:p>
             <a:fld id="{01B7AAC4-95F7-41FF-85EE-8CBCA500D74F}" type="datetimeFigureOut">
               <a:rPr lang="th-TH" smtClean="0"/>
-              <a:t>18/01/67</a:t>
+              <a:t>29/01/67</a:t>
             </a:fld>
             <a:endParaRPr lang="th-TH"/>
           </a:p>
@@ -1885,7 +1886,7 @@
           <a:p>
             <a:fld id="{01B7AAC4-95F7-41FF-85EE-8CBCA500D74F}" type="datetimeFigureOut">
               <a:rPr lang="th-TH" smtClean="0"/>
-              <a:t>18/01/67</a:t>
+              <a:t>29/01/67</a:t>
             </a:fld>
             <a:endParaRPr lang="th-TH"/>
           </a:p>
@@ -2027,7 +2028,7 @@
           <a:p>
             <a:fld id="{01B7AAC4-95F7-41FF-85EE-8CBCA500D74F}" type="datetimeFigureOut">
               <a:rPr lang="th-TH" smtClean="0"/>
-              <a:t>18/01/67</a:t>
+              <a:t>29/01/67</a:t>
             </a:fld>
             <a:endParaRPr lang="th-TH"/>
           </a:p>
@@ -2140,7 +2141,7 @@
           <a:p>
             <a:fld id="{01B7AAC4-95F7-41FF-85EE-8CBCA500D74F}" type="datetimeFigureOut">
               <a:rPr lang="th-TH" smtClean="0"/>
-              <a:t>18/01/67</a:t>
+              <a:t>29/01/67</a:t>
             </a:fld>
             <a:endParaRPr lang="th-TH"/>
           </a:p>
@@ -2453,7 +2454,7 @@
           <a:p>
             <a:fld id="{01B7AAC4-95F7-41FF-85EE-8CBCA500D74F}" type="datetimeFigureOut">
               <a:rPr lang="th-TH" smtClean="0"/>
-              <a:t>18/01/67</a:t>
+              <a:t>29/01/67</a:t>
             </a:fld>
             <a:endParaRPr lang="th-TH"/>
           </a:p>
@@ -2742,7 +2743,7 @@
           <a:p>
             <a:fld id="{01B7AAC4-95F7-41FF-85EE-8CBCA500D74F}" type="datetimeFigureOut">
               <a:rPr lang="th-TH" smtClean="0"/>
-              <a:t>18/01/67</a:t>
+              <a:t>29/01/67</a:t>
             </a:fld>
             <a:endParaRPr lang="th-TH"/>
           </a:p>
@@ -2985,7 +2986,7 @@
           <a:p>
             <a:fld id="{01B7AAC4-95F7-41FF-85EE-8CBCA500D74F}" type="datetimeFigureOut">
               <a:rPr lang="th-TH" smtClean="0"/>
-              <a:t>18/01/67</a:t>
+              <a:t>29/01/67</a:t>
             </a:fld>
             <a:endParaRPr lang="th-TH"/>
           </a:p>
@@ -3783,6 +3784,181 @@
 </p:sld>
 </file>
 
+<file path=ppt/slides/slide3.xml><?xml version="1.0" encoding="utf-8"?>
+<p:sld xmlns:a="http://schemas.openxmlformats.org/drawingml/2006/main" xmlns:r="http://schemas.openxmlformats.org/officeDocument/2006/relationships" xmlns:p="http://schemas.openxmlformats.org/presentationml/2006/main">
+  <p:cSld>
+    <p:spTree>
+      <p:nvGrpSpPr>
+        <p:cNvPr id="1" name=""/>
+        <p:cNvGrpSpPr/>
+        <p:nvPr/>
+      </p:nvGrpSpPr>
+      <p:grpSpPr>
+        <a:xfrm>
+          <a:off x="0" y="0"/>
+          <a:ext cx="0" cy="0"/>
+          <a:chOff x="0" y="0"/>
+          <a:chExt cx="0" cy="0"/>
+        </a:xfrm>
+      </p:grpSpPr>
+      <p:pic>
+        <p:nvPicPr>
+          <p:cNvPr id="1026" name="Picture 2" descr="Super Mario Brothers Map Selection - Labeled Maps">
+            <a:extLst>
+              <a:ext uri="{FF2B5EF4-FFF2-40B4-BE49-F238E27FC236}">
+                <a16:creationId xmlns:a16="http://schemas.microsoft.com/office/drawing/2014/main" id="{F33B336D-3F68-0B82-DA79-D0A5BFE3A2A1}"/>
+              </a:ext>
+            </a:extLst>
+          </p:cNvPr>
+          <p:cNvPicPr>
+            <a:picLocks noChangeAspect="1" noChangeArrowheads="1"/>
+          </p:cNvPicPr>
+          <p:nvPr/>
+        </p:nvPicPr>
+        <p:blipFill>
+          <a:blip r:embed="rId2">
+            <a:extLst>
+              <a:ext uri="{28A0092B-C50C-407E-A947-70E740481C1C}">
+                <a14:useLocalDpi xmlns:a14="http://schemas.microsoft.com/office/drawing/2010/main" val="0"/>
+              </a:ext>
+            </a:extLst>
+          </a:blip>
+          <a:srcRect/>
+          <a:stretch>
+            <a:fillRect/>
+          </a:stretch>
+        </p:blipFill>
+        <p:spPr bwMode="auto">
+          <a:xfrm>
+            <a:off x="1943099" y="314325"/>
+            <a:ext cx="6299199" cy="5905500"/>
+          </a:xfrm>
+          <a:prstGeom prst="rect">
+            <a:avLst/>
+          </a:prstGeom>
+          <a:noFill/>
+          <a:extLst>
+            <a:ext uri="{909E8E84-426E-40DD-AFC4-6F175D3DCCD1}">
+              <a14:hiddenFill xmlns:a14="http://schemas.microsoft.com/office/drawing/2010/main">
+                <a:solidFill>
+                  <a:srgbClr val="FFFFFF"/>
+                </a:solidFill>
+              </a14:hiddenFill>
+            </a:ext>
+          </a:extLst>
+        </p:spPr>
+      </p:pic>
+      <p:sp>
+        <p:nvSpPr>
+          <p:cNvPr id="2" name="Rectangle 1">
+            <a:extLst>
+              <a:ext uri="{FF2B5EF4-FFF2-40B4-BE49-F238E27FC236}">
+                <a16:creationId xmlns:a16="http://schemas.microsoft.com/office/drawing/2014/main" id="{45EB1E56-6326-73E0-F86D-056CFD5199A6}"/>
+              </a:ext>
+            </a:extLst>
+          </p:cNvPr>
+          <p:cNvSpPr/>
+          <p:nvPr/>
+        </p:nvSpPr>
+        <p:spPr>
+          <a:xfrm>
+            <a:off x="8485415" y="1250302"/>
+            <a:ext cx="1763486" cy="1138335"/>
+          </a:xfrm>
+          <a:prstGeom prst="rect">
+            <a:avLst/>
+          </a:prstGeom>
+          <a:solidFill>
+            <a:srgbClr val="F1C5A7"/>
+          </a:solidFill>
+        </p:spPr>
+        <p:style>
+          <a:lnRef idx="2">
+            <a:schemeClr val="accent1">
+              <a:shade val="15000"/>
+            </a:schemeClr>
+          </a:lnRef>
+          <a:fillRef idx="1">
+            <a:schemeClr val="accent1"/>
+          </a:fillRef>
+          <a:effectRef idx="0">
+            <a:schemeClr val="accent1"/>
+          </a:effectRef>
+          <a:fontRef idx="minor">
+            <a:schemeClr val="lt1"/>
+          </a:fontRef>
+        </p:style>
+        <p:txBody>
+          <a:bodyPr rtlCol="0" anchor="ctr"/>
+          <a:lstStyle/>
+          <a:p>
+            <a:pPr algn="ctr"/>
+            <a:endParaRPr lang="th-TH"/>
+          </a:p>
+        </p:txBody>
+      </p:sp>
+      <p:sp>
+        <p:nvSpPr>
+          <p:cNvPr id="3" name="Rectangle 2">
+            <a:extLst>
+              <a:ext uri="{FF2B5EF4-FFF2-40B4-BE49-F238E27FC236}">
+                <a16:creationId xmlns:a16="http://schemas.microsoft.com/office/drawing/2014/main" id="{A080113D-A710-1AE7-41B3-F782DB656ADD}"/>
+              </a:ext>
+            </a:extLst>
+          </p:cNvPr>
+          <p:cNvSpPr/>
+          <p:nvPr/>
+        </p:nvSpPr>
+        <p:spPr>
+          <a:xfrm>
+            <a:off x="9477570" y="4127241"/>
+            <a:ext cx="1763486" cy="1138335"/>
+          </a:xfrm>
+          <a:prstGeom prst="rect">
+            <a:avLst/>
+          </a:prstGeom>
+          <a:solidFill>
+            <a:srgbClr val="C84C0C"/>
+          </a:solidFill>
+        </p:spPr>
+        <p:style>
+          <a:lnRef idx="2">
+            <a:schemeClr val="accent1">
+              <a:shade val="15000"/>
+            </a:schemeClr>
+          </a:lnRef>
+          <a:fillRef idx="1">
+            <a:schemeClr val="accent1"/>
+          </a:fillRef>
+          <a:effectRef idx="0">
+            <a:schemeClr val="accent1"/>
+          </a:effectRef>
+          <a:fontRef idx="minor">
+            <a:schemeClr val="lt1"/>
+          </a:fontRef>
+        </p:style>
+        <p:txBody>
+          <a:bodyPr rtlCol="0" anchor="ctr"/>
+          <a:lstStyle/>
+          <a:p>
+            <a:pPr algn="ctr"/>
+            <a:endParaRPr lang="th-TH"/>
+          </a:p>
+        </p:txBody>
+      </p:sp>
+    </p:spTree>
+    <p:extLst>
+      <p:ext uri="{BB962C8B-B14F-4D97-AF65-F5344CB8AC3E}">
+        <p14:creationId xmlns:p14="http://schemas.microsoft.com/office/powerpoint/2010/main" val="1700915026"/>
+      </p:ext>
+    </p:extLst>
+  </p:cSld>
+  <p:clrMapOvr>
+    <a:masterClrMapping/>
+  </p:clrMapOvr>
+</p:sld>
+</file>
+
 <file path=ppt/theme/theme1.xml><?xml version="1.0" encoding="utf-8"?>
 <a:theme xmlns:a="http://schemas.openxmlformats.org/drawingml/2006/main" name="Office Theme">
   <a:themeElements>

--- a/Presentation1.pptx
+++ b/Presentation1.pptx
@@ -3862,7 +3862,7 @@
         </p:nvSpPr>
         <p:spPr>
           <a:xfrm>
-            <a:off x="8485415" y="1250302"/>
+            <a:off x="9325170" y="4414740"/>
             <a:ext cx="1763486" cy="1138335"/>
           </a:xfrm>
           <a:prstGeom prst="rect">
@@ -3911,7 +3911,7 @@
         </p:nvSpPr>
         <p:spPr>
           <a:xfrm>
-            <a:off x="9477570" y="4127241"/>
+            <a:off x="9645521" y="5274906"/>
             <a:ext cx="1763486" cy="1138335"/>
           </a:xfrm>
           <a:prstGeom prst="rect">
@@ -3919,6 +3919,153 @@
           </a:prstGeom>
           <a:solidFill>
             <a:srgbClr val="C84C0C"/>
+          </a:solidFill>
+        </p:spPr>
+        <p:style>
+          <a:lnRef idx="2">
+            <a:schemeClr val="accent1">
+              <a:shade val="15000"/>
+            </a:schemeClr>
+          </a:lnRef>
+          <a:fillRef idx="1">
+            <a:schemeClr val="accent1"/>
+          </a:fillRef>
+          <a:effectRef idx="0">
+            <a:schemeClr val="accent1"/>
+          </a:effectRef>
+          <a:fontRef idx="minor">
+            <a:schemeClr val="lt1"/>
+          </a:fontRef>
+        </p:style>
+        <p:txBody>
+          <a:bodyPr rtlCol="0" anchor="ctr"/>
+          <a:lstStyle/>
+          <a:p>
+            <a:pPr algn="ctr"/>
+            <a:endParaRPr lang="th-TH"/>
+          </a:p>
+        </p:txBody>
+      </p:sp>
+      <p:sp>
+        <p:nvSpPr>
+          <p:cNvPr id="4" name="Rectangle 3">
+            <a:extLst>
+              <a:ext uri="{FF2B5EF4-FFF2-40B4-BE49-F238E27FC236}">
+                <a16:creationId xmlns:a16="http://schemas.microsoft.com/office/drawing/2014/main" id="{6E17877E-54CD-2F35-0D38-639FDCF22193}"/>
+              </a:ext>
+            </a:extLst>
+          </p:cNvPr>
+          <p:cNvSpPr/>
+          <p:nvPr/>
+        </p:nvSpPr>
+        <p:spPr>
+          <a:xfrm>
+            <a:off x="8553839" y="2697907"/>
+            <a:ext cx="1763486" cy="1138335"/>
+          </a:xfrm>
+          <a:prstGeom prst="rect">
+            <a:avLst/>
+          </a:prstGeom>
+          <a:solidFill>
+            <a:srgbClr val="FFB39C"/>
+          </a:solidFill>
+        </p:spPr>
+        <p:style>
+          <a:lnRef idx="2">
+            <a:schemeClr val="accent1">
+              <a:shade val="15000"/>
+            </a:schemeClr>
+          </a:lnRef>
+          <a:fillRef idx="1">
+            <a:schemeClr val="accent1"/>
+          </a:fillRef>
+          <a:effectRef idx="0">
+            <a:schemeClr val="accent1"/>
+          </a:effectRef>
+          <a:fontRef idx="minor">
+            <a:schemeClr val="lt1"/>
+          </a:fontRef>
+        </p:style>
+        <p:txBody>
+          <a:bodyPr rtlCol="0" anchor="ctr"/>
+          <a:lstStyle/>
+          <a:p>
+            <a:pPr algn="ctr"/>
+            <a:endParaRPr lang="th-TH"/>
+          </a:p>
+        </p:txBody>
+      </p:sp>
+      <p:sp>
+        <p:nvSpPr>
+          <p:cNvPr id="5" name="Rectangle 4">
+            <a:extLst>
+              <a:ext uri="{FF2B5EF4-FFF2-40B4-BE49-F238E27FC236}">
+                <a16:creationId xmlns:a16="http://schemas.microsoft.com/office/drawing/2014/main" id="{0C31B9B1-0E46-5141-B4A6-215894F83F04}"/>
+              </a:ext>
+            </a:extLst>
+          </p:cNvPr>
+          <p:cNvSpPr/>
+          <p:nvPr/>
+        </p:nvSpPr>
+        <p:spPr>
+          <a:xfrm>
+            <a:off x="8665029" y="1129489"/>
+            <a:ext cx="1763486" cy="1138335"/>
+          </a:xfrm>
+          <a:prstGeom prst="rect">
+            <a:avLst/>
+          </a:prstGeom>
+          <a:solidFill>
+            <a:srgbClr val="F78E2F"/>
+          </a:solidFill>
+        </p:spPr>
+        <p:style>
+          <a:lnRef idx="2">
+            <a:schemeClr val="accent1">
+              <a:shade val="15000"/>
+            </a:schemeClr>
+          </a:lnRef>
+          <a:fillRef idx="1">
+            <a:schemeClr val="accent1"/>
+          </a:fillRef>
+          <a:effectRef idx="0">
+            <a:schemeClr val="accent1"/>
+          </a:effectRef>
+          <a:fontRef idx="minor">
+            <a:schemeClr val="lt1"/>
+          </a:fontRef>
+        </p:style>
+        <p:txBody>
+          <a:bodyPr rtlCol="0" anchor="ctr"/>
+          <a:lstStyle/>
+          <a:p>
+            <a:pPr algn="ctr"/>
+            <a:endParaRPr lang="th-TH"/>
+          </a:p>
+        </p:txBody>
+      </p:sp>
+      <p:sp>
+        <p:nvSpPr>
+          <p:cNvPr id="6" name="Rectangle 5">
+            <a:extLst>
+              <a:ext uri="{FF2B5EF4-FFF2-40B4-BE49-F238E27FC236}">
+                <a16:creationId xmlns:a16="http://schemas.microsoft.com/office/drawing/2014/main" id="{EF039067-D502-25A4-E0BC-EF7170DBE641}"/>
+              </a:ext>
+            </a:extLst>
+          </p:cNvPr>
+          <p:cNvSpPr/>
+          <p:nvPr/>
+        </p:nvSpPr>
+        <p:spPr>
+          <a:xfrm>
+            <a:off x="8593494" y="231611"/>
+            <a:ext cx="1763486" cy="1138335"/>
+          </a:xfrm>
+          <a:prstGeom prst="rect">
+            <a:avLst/>
+          </a:prstGeom>
+          <a:solidFill>
+            <a:srgbClr val="CD4D07"/>
           </a:solidFill>
         </p:spPr>
         <p:style>

--- a/Presentation1.pptx
+++ b/Presentation1.pptx
@@ -3648,6 +3648,55 @@
           </p:pic>
         </mc:Fallback>
       </mc:AlternateContent>
+      <p:sp>
+        <p:nvSpPr>
+          <p:cNvPr id="2" name="Oval 1">
+            <a:extLst>
+              <a:ext uri="{FF2B5EF4-FFF2-40B4-BE49-F238E27FC236}">
+                <a16:creationId xmlns:a16="http://schemas.microsoft.com/office/drawing/2014/main" id="{43D87243-20B4-640D-E4A1-C588CB42371F}"/>
+              </a:ext>
+            </a:extLst>
+          </p:cNvPr>
+          <p:cNvSpPr/>
+          <p:nvPr/>
+        </p:nvSpPr>
+        <p:spPr>
+          <a:xfrm>
+            <a:off x="9314188" y="2374286"/>
+            <a:ext cx="1175657" cy="1156996"/>
+          </a:xfrm>
+          <a:prstGeom prst="ellipse">
+            <a:avLst/>
+          </a:prstGeom>
+          <a:solidFill>
+            <a:srgbClr val="66CCFF"/>
+          </a:solidFill>
+        </p:spPr>
+        <p:style>
+          <a:lnRef idx="2">
+            <a:schemeClr val="accent1">
+              <a:shade val="15000"/>
+            </a:schemeClr>
+          </a:lnRef>
+          <a:fillRef idx="1">
+            <a:schemeClr val="accent1"/>
+          </a:fillRef>
+          <a:effectRef idx="0">
+            <a:schemeClr val="accent1"/>
+          </a:effectRef>
+          <a:fontRef idx="minor">
+            <a:schemeClr val="lt1"/>
+          </a:fontRef>
+        </p:style>
+        <p:txBody>
+          <a:bodyPr rtlCol="0" anchor="ctr"/>
+          <a:lstStyle/>
+          <a:p>
+            <a:pPr algn="ctr"/>
+            <a:endParaRPr lang="th-TH"/>
+          </a:p>
+        </p:txBody>
+      </p:sp>
     </p:spTree>
     <p:extLst>
       <p:ext uri="{BB962C8B-B14F-4D97-AF65-F5344CB8AC3E}">
@@ -3745,6 +3794,104 @@
             </a:gsLst>
             <a:lin ang="5400000" scaled="1"/>
           </a:gradFill>
+        </p:spPr>
+        <p:style>
+          <a:lnRef idx="2">
+            <a:schemeClr val="accent1">
+              <a:shade val="15000"/>
+            </a:schemeClr>
+          </a:lnRef>
+          <a:fillRef idx="1">
+            <a:schemeClr val="accent1"/>
+          </a:fillRef>
+          <a:effectRef idx="0">
+            <a:schemeClr val="accent1"/>
+          </a:effectRef>
+          <a:fontRef idx="minor">
+            <a:schemeClr val="lt1"/>
+          </a:fontRef>
+        </p:style>
+        <p:txBody>
+          <a:bodyPr rtlCol="0" anchor="ctr"/>
+          <a:lstStyle/>
+          <a:p>
+            <a:pPr algn="ctr"/>
+            <a:endParaRPr lang="th-TH"/>
+          </a:p>
+        </p:txBody>
+      </p:sp>
+      <p:sp>
+        <p:nvSpPr>
+          <p:cNvPr id="2" name="Rectangle 1">
+            <a:extLst>
+              <a:ext uri="{FF2B5EF4-FFF2-40B4-BE49-F238E27FC236}">
+                <a16:creationId xmlns:a16="http://schemas.microsoft.com/office/drawing/2014/main" id="{8B63C2EF-D863-C864-3E95-50B54AD378FB}"/>
+              </a:ext>
+            </a:extLst>
+          </p:cNvPr>
+          <p:cNvSpPr/>
+          <p:nvPr/>
+        </p:nvSpPr>
+        <p:spPr>
+          <a:xfrm>
+            <a:off x="2780523" y="311021"/>
+            <a:ext cx="1063689" cy="1511560"/>
+          </a:xfrm>
+          <a:prstGeom prst="rect">
+            <a:avLst/>
+          </a:prstGeom>
+          <a:solidFill>
+            <a:srgbClr val="85B905"/>
+          </a:solidFill>
+        </p:spPr>
+        <p:style>
+          <a:lnRef idx="2">
+            <a:schemeClr val="accent1">
+              <a:shade val="15000"/>
+            </a:schemeClr>
+          </a:lnRef>
+          <a:fillRef idx="1">
+            <a:schemeClr val="accent1"/>
+          </a:fillRef>
+          <a:effectRef idx="0">
+            <a:schemeClr val="accent1"/>
+          </a:effectRef>
+          <a:fontRef idx="minor">
+            <a:schemeClr val="lt1"/>
+          </a:fontRef>
+        </p:style>
+        <p:txBody>
+          <a:bodyPr rtlCol="0" anchor="ctr"/>
+          <a:lstStyle/>
+          <a:p>
+            <a:pPr algn="ctr"/>
+            <a:endParaRPr lang="th-TH"/>
+          </a:p>
+        </p:txBody>
+      </p:sp>
+      <p:sp>
+        <p:nvSpPr>
+          <p:cNvPr id="3" name="Rectangle 2">
+            <a:extLst>
+              <a:ext uri="{FF2B5EF4-FFF2-40B4-BE49-F238E27FC236}">
+                <a16:creationId xmlns:a16="http://schemas.microsoft.com/office/drawing/2014/main" id="{654C2E0D-EF33-0DC7-40B0-3BC2E6A180CA}"/>
+              </a:ext>
+            </a:extLst>
+          </p:cNvPr>
+          <p:cNvSpPr/>
+          <p:nvPr/>
+        </p:nvSpPr>
+        <p:spPr>
+          <a:xfrm>
+            <a:off x="4313854" y="211494"/>
+            <a:ext cx="1063689" cy="1511560"/>
+          </a:xfrm>
+          <a:prstGeom prst="rect">
+            <a:avLst/>
+          </a:prstGeom>
+          <a:solidFill>
+            <a:srgbClr val="0D7F0D"/>
+          </a:solidFill>
         </p:spPr>
         <p:style>
           <a:lnRef idx="2">
